--- a/Output/PCA-gene-voc-summary.pptx
+++ b/Output/PCA-gene-voc-summary.pptx
@@ -7,8 +7,10 @@
   <p:sldIdLst>
     <p:sldId id="256" r:id="rId2"/>
     <p:sldId id="258" r:id="rId3"/>
-    <p:sldId id="257" r:id="rId4"/>
-    <p:sldId id="259" r:id="rId5"/>
+    <p:sldId id="261" r:id="rId4"/>
+    <p:sldId id="257" r:id="rId5"/>
+    <p:sldId id="259" r:id="rId6"/>
+    <p:sldId id="260" r:id="rId7"/>
   </p:sldIdLst>
   <p:sldSz cx="12192000" cy="6858000"/>
   <p:notesSz cx="6858000" cy="9144000"/>
@@ -107,6 +109,11 @@
       </a:defRPr>
     </a:lvl9pPr>
   </p:defaultTextStyle>
+  <p:extLst>
+    <p:ext uri="{EFAFB233-063F-42B5-8137-9DF3F51BA10A}">
+      <p15:sldGuideLst xmlns:p15="http://schemas.microsoft.com/office/powerpoint/2012/main"/>
+    </p:ext>
+  </p:extLst>
 </p:presentation>
 </file>
 
@@ -257,7 +264,7 @@
           <a:p>
             <a:fld id="{CD21B1EB-09FB-8D45-88AE-ADDCC0FF4533}" type="datetimeFigureOut">
               <a:rPr lang="en-US" smtClean="0"/>
-              <a:t>10/5/22</a:t>
+              <a:t>10/19/22</a:t>
             </a:fld>
             <a:endParaRPr lang="en-US"/>
           </a:p>
@@ -455,7 +462,7 @@
           <a:p>
             <a:fld id="{CD21B1EB-09FB-8D45-88AE-ADDCC0FF4533}" type="datetimeFigureOut">
               <a:rPr lang="en-US" smtClean="0"/>
-              <a:t>10/5/22</a:t>
+              <a:t>10/19/22</a:t>
             </a:fld>
             <a:endParaRPr lang="en-US"/>
           </a:p>
@@ -663,7 +670,7 @@
           <a:p>
             <a:fld id="{CD21B1EB-09FB-8D45-88AE-ADDCC0FF4533}" type="datetimeFigureOut">
               <a:rPr lang="en-US" smtClean="0"/>
-              <a:t>10/5/22</a:t>
+              <a:t>10/19/22</a:t>
             </a:fld>
             <a:endParaRPr lang="en-US"/>
           </a:p>
@@ -861,7 +868,7 @@
           <a:p>
             <a:fld id="{CD21B1EB-09FB-8D45-88AE-ADDCC0FF4533}" type="datetimeFigureOut">
               <a:rPr lang="en-US" smtClean="0"/>
-              <a:t>10/5/22</a:t>
+              <a:t>10/19/22</a:t>
             </a:fld>
             <a:endParaRPr lang="en-US"/>
           </a:p>
@@ -1136,7 +1143,7 @@
           <a:p>
             <a:fld id="{CD21B1EB-09FB-8D45-88AE-ADDCC0FF4533}" type="datetimeFigureOut">
               <a:rPr lang="en-US" smtClean="0"/>
-              <a:t>10/5/22</a:t>
+              <a:t>10/19/22</a:t>
             </a:fld>
             <a:endParaRPr lang="en-US"/>
           </a:p>
@@ -1401,7 +1408,7 @@
           <a:p>
             <a:fld id="{CD21B1EB-09FB-8D45-88AE-ADDCC0FF4533}" type="datetimeFigureOut">
               <a:rPr lang="en-US" smtClean="0"/>
-              <a:t>10/5/22</a:t>
+              <a:t>10/19/22</a:t>
             </a:fld>
             <a:endParaRPr lang="en-US"/>
           </a:p>
@@ -1813,7 +1820,7 @@
           <a:p>
             <a:fld id="{CD21B1EB-09FB-8D45-88AE-ADDCC0FF4533}" type="datetimeFigureOut">
               <a:rPr lang="en-US" smtClean="0"/>
-              <a:t>10/5/22</a:t>
+              <a:t>10/19/22</a:t>
             </a:fld>
             <a:endParaRPr lang="en-US"/>
           </a:p>
@@ -1954,7 +1961,7 @@
           <a:p>
             <a:fld id="{CD21B1EB-09FB-8D45-88AE-ADDCC0FF4533}" type="datetimeFigureOut">
               <a:rPr lang="en-US" smtClean="0"/>
-              <a:t>10/5/22</a:t>
+              <a:t>10/19/22</a:t>
             </a:fld>
             <a:endParaRPr lang="en-US"/>
           </a:p>
@@ -2067,7 +2074,7 @@
           <a:p>
             <a:fld id="{CD21B1EB-09FB-8D45-88AE-ADDCC0FF4533}" type="datetimeFigureOut">
               <a:rPr lang="en-US" smtClean="0"/>
-              <a:t>10/5/22</a:t>
+              <a:t>10/19/22</a:t>
             </a:fld>
             <a:endParaRPr lang="en-US"/>
           </a:p>
@@ -2378,7 +2385,7 @@
           <a:p>
             <a:fld id="{CD21B1EB-09FB-8D45-88AE-ADDCC0FF4533}" type="datetimeFigureOut">
               <a:rPr lang="en-US" smtClean="0"/>
-              <a:t>10/5/22</a:t>
+              <a:t>10/19/22</a:t>
             </a:fld>
             <a:endParaRPr lang="en-US"/>
           </a:p>
@@ -2666,7 +2673,7 @@
           <a:p>
             <a:fld id="{CD21B1EB-09FB-8D45-88AE-ADDCC0FF4533}" type="datetimeFigureOut">
               <a:rPr lang="en-US" smtClean="0"/>
-              <a:t>10/5/22</a:t>
+              <a:t>10/19/22</a:t>
             </a:fld>
             <a:endParaRPr lang="en-US"/>
           </a:p>
@@ -2907,7 +2914,7 @@
           <a:p>
             <a:fld id="{CD21B1EB-09FB-8D45-88AE-ADDCC0FF4533}" type="datetimeFigureOut">
               <a:rPr lang="en-US" smtClean="0"/>
-              <a:t>10/5/22</a:t>
+              <a:t>10/19/22</a:t>
             </a:fld>
             <a:endParaRPr lang="en-US"/>
           </a:p>
@@ -6012,6 +6019,86 @@
       </p:grpSpPr>
       <p:sp>
         <p:nvSpPr>
+          <p:cNvPr id="2" name="Title 1">
+            <a:extLst>
+              <a:ext uri="{FF2B5EF4-FFF2-40B4-BE49-F238E27FC236}">
+                <a16:creationId xmlns:a16="http://schemas.microsoft.com/office/drawing/2014/main" id="{E388A3E2-9D08-AAF7-8C83-D9420D4DC734}"/>
+              </a:ext>
+            </a:extLst>
+          </p:cNvPr>
+          <p:cNvSpPr>
+            <a:spLocks noGrp="1"/>
+          </p:cNvSpPr>
+          <p:nvPr>
+            <p:ph type="title"/>
+          </p:nvPr>
+        </p:nvSpPr>
+        <p:spPr/>
+        <p:txBody>
+          <a:bodyPr/>
+          <a:lstStyle/>
+          <a:p>
+            <a:endParaRPr lang="en-US"/>
+          </a:p>
+        </p:txBody>
+      </p:sp>
+      <p:sp>
+        <p:nvSpPr>
+          <p:cNvPr id="3" name="Content Placeholder 2">
+            <a:extLst>
+              <a:ext uri="{FF2B5EF4-FFF2-40B4-BE49-F238E27FC236}">
+                <a16:creationId xmlns:a16="http://schemas.microsoft.com/office/drawing/2014/main" id="{5960345C-3627-F4DD-8EB4-E9CB67C0F140}"/>
+              </a:ext>
+            </a:extLst>
+          </p:cNvPr>
+          <p:cNvSpPr>
+            <a:spLocks noGrp="1"/>
+          </p:cNvSpPr>
+          <p:nvPr>
+            <p:ph idx="1"/>
+          </p:nvPr>
+        </p:nvSpPr>
+        <p:spPr/>
+        <p:txBody>
+          <a:bodyPr/>
+          <a:lstStyle/>
+          <a:p>
+            <a:endParaRPr lang="en-US" dirty="0"/>
+          </a:p>
+        </p:txBody>
+      </p:sp>
+    </p:spTree>
+    <p:extLst>
+      <p:ext uri="{BB962C8B-B14F-4D97-AF65-F5344CB8AC3E}">
+        <p14:creationId xmlns:p14="http://schemas.microsoft.com/office/powerpoint/2010/main" val="2481902188"/>
+      </p:ext>
+    </p:extLst>
+  </p:cSld>
+  <p:clrMapOvr>
+    <a:masterClrMapping/>
+  </p:clrMapOvr>
+</p:sld>
+</file>
+
+<file path=ppt/slides/slide4.xml><?xml version="1.0" encoding="utf-8"?>
+<p:sld xmlns:a="http://schemas.openxmlformats.org/drawingml/2006/main" xmlns:r="http://schemas.openxmlformats.org/officeDocument/2006/relationships" xmlns:p="http://schemas.openxmlformats.org/presentationml/2006/main">
+  <p:cSld>
+    <p:spTree>
+      <p:nvGrpSpPr>
+        <p:cNvPr id="1" name=""/>
+        <p:cNvGrpSpPr/>
+        <p:nvPr/>
+      </p:nvGrpSpPr>
+      <p:grpSpPr>
+        <a:xfrm>
+          <a:off x="0" y="0"/>
+          <a:ext cx="0" cy="0"/>
+          <a:chOff x="0" y="0"/>
+          <a:chExt cx="0" cy="0"/>
+        </a:xfrm>
+      </p:grpSpPr>
+      <p:sp>
+        <p:nvSpPr>
           <p:cNvPr id="5" name="TextBox 4">
             <a:extLst>
               <a:ext uri="{FF2B5EF4-FFF2-40B4-BE49-F238E27FC236}">
@@ -6999,7 +7086,7 @@
 </p:sld>
 </file>
 
-<file path=ppt/slides/slide4.xml><?xml version="1.0" encoding="utf-8"?>
+<file path=ppt/slides/slide5.xml><?xml version="1.0" encoding="utf-8"?>
 <p:sld xmlns:a="http://schemas.openxmlformats.org/drawingml/2006/main" xmlns:r="http://schemas.openxmlformats.org/officeDocument/2006/relationships" xmlns:p="http://schemas.openxmlformats.org/presentationml/2006/main">
   <p:cSld>
     <p:spTree>
@@ -8074,6 +8161,271 @@
 </p:sld>
 </file>
 
+<file path=ppt/slides/slide6.xml><?xml version="1.0" encoding="utf-8"?>
+<p:sld xmlns:a="http://schemas.openxmlformats.org/drawingml/2006/main" xmlns:r="http://schemas.openxmlformats.org/officeDocument/2006/relationships" xmlns:p="http://schemas.openxmlformats.org/presentationml/2006/main">
+  <p:cSld>
+    <p:spTree>
+      <p:nvGrpSpPr>
+        <p:cNvPr id="1" name=""/>
+        <p:cNvGrpSpPr/>
+        <p:nvPr/>
+      </p:nvGrpSpPr>
+      <p:grpSpPr>
+        <a:xfrm>
+          <a:off x="0" y="0"/>
+          <a:ext cx="0" cy="0"/>
+          <a:chOff x="0" y="0"/>
+          <a:chExt cx="0" cy="0"/>
+        </a:xfrm>
+      </p:grpSpPr>
+      <p:pic>
+        <p:nvPicPr>
+          <p:cNvPr id="4" name="Content Placeholder 3">
+            <a:extLst>
+              <a:ext uri="{FF2B5EF4-FFF2-40B4-BE49-F238E27FC236}">
+                <a16:creationId xmlns:a16="http://schemas.microsoft.com/office/drawing/2014/main" id="{8A96B400-E8D5-2CA2-6500-783FB976C06E}"/>
+              </a:ext>
+            </a:extLst>
+          </p:cNvPr>
+          <p:cNvPicPr>
+            <a:picLocks noGrp="1" noChangeAspect="1"/>
+          </p:cNvPicPr>
+          <p:nvPr>
+            <p:ph idx="1"/>
+          </p:nvPr>
+        </p:nvPicPr>
+        <p:blipFill>
+          <a:blip r:embed="rId2"/>
+          <a:stretch>
+            <a:fillRect/>
+          </a:stretch>
+        </p:blipFill>
+        <p:spPr>
+          <a:xfrm>
+            <a:off x="5507325" y="1743734"/>
+            <a:ext cx="2508254" cy="4198024"/>
+          </a:xfrm>
+          <a:prstGeom prst="rect">
+            <a:avLst/>
+          </a:prstGeom>
+        </p:spPr>
+      </p:pic>
+      <p:sp>
+        <p:nvSpPr>
+          <p:cNvPr id="6" name="TextBox 5">
+            <a:extLst>
+              <a:ext uri="{FF2B5EF4-FFF2-40B4-BE49-F238E27FC236}">
+                <a16:creationId xmlns:a16="http://schemas.microsoft.com/office/drawing/2014/main" id="{6F4BC73B-B2C6-E539-5D8D-815F87DAEDD0}"/>
+              </a:ext>
+            </a:extLst>
+          </p:cNvPr>
+          <p:cNvSpPr txBox="1"/>
+          <p:nvPr/>
+        </p:nvSpPr>
+        <p:spPr>
+          <a:xfrm>
+            <a:off x="8511503" y="1609589"/>
+            <a:ext cx="2438400" cy="4031873"/>
+          </a:xfrm>
+          <a:prstGeom prst="rect">
+            <a:avLst/>
+          </a:prstGeom>
+          <a:noFill/>
+        </p:spPr>
+        <p:txBody>
+          <a:bodyPr wrap="square">
+            <a:spAutoFit/>
+          </a:bodyPr>
+          <a:lstStyle/>
+          <a:p>
+            <a:r>
+              <a:rPr lang="en-US" sz="800" dirty="0"/>
+              <a:t>Test of PCA significance: 21 variables, 18 observations</a:t>
+            </a:r>
+          </a:p>
+          <a:p>
+            <a:r>
+              <a:rPr lang="en-US" sz="800" dirty="0"/>
+              <a:t>1000 bootstrap replicates, 1000 random permutations</a:t>
+            </a:r>
+          </a:p>
+          <a:p>
+            <a:r>
+              <a:rPr lang="en-US" sz="800" dirty="0"/>
+              <a:t>========================================================</a:t>
+            </a:r>
+          </a:p>
+          <a:p>
+            <a:endParaRPr lang="en-US" sz="800" dirty="0"/>
+          </a:p>
+          <a:p>
+            <a:r>
+              <a:rPr lang="en-US" sz="800" dirty="0"/>
+              <a:t>Empirical Psi = 52.7759, Max null Psi = 29.7064, Min null Psi = 15.4422, p-value = 0</a:t>
+            </a:r>
+          </a:p>
+          <a:p>
+            <a:r>
+              <a:rPr lang="en-US" sz="800" dirty="0"/>
+              <a:t>Empirical Phi = 0.3677, Max null Phi = 0.2833, Min null Phi = 0.2152, p-value = 0</a:t>
+            </a:r>
+          </a:p>
+          <a:p>
+            <a:endParaRPr lang="en-US" sz="800" dirty="0"/>
+          </a:p>
+          <a:p>
+            <a:r>
+              <a:rPr lang="en-US" sz="800" dirty="0"/>
+              <a:t>Empirical eigenvalue #1 = 6.51142, Max null eigenvalue = 4.72366, p-value = 0</a:t>
+            </a:r>
+          </a:p>
+          <a:p>
+            <a:r>
+              <a:rPr lang="en-US" sz="800" dirty="0"/>
+              <a:t>Empirical eigenvalue #2 = 4.04095, Max null eigenvalue = 3.85052, p-value = 0</a:t>
+            </a:r>
+          </a:p>
+          <a:p>
+            <a:r>
+              <a:rPr lang="en-US" sz="800" dirty="0"/>
+              <a:t>Empirical eigenvalue #3 = 3.00226, Max null eigenvalue = 3.19063, p-value = 0.008</a:t>
+            </a:r>
+          </a:p>
+          <a:p>
+            <a:endParaRPr lang="en-US" sz="800" dirty="0"/>
+          </a:p>
+          <a:p>
+            <a:r>
+              <a:rPr lang="en-US" sz="800" dirty="0"/>
+              <a:t>PC 1 is significant and accounts for 31% (95%-CI:27.4-43.2) of the total variation</a:t>
+            </a:r>
+          </a:p>
+          <a:p>
+            <a:r>
+              <a:rPr lang="en-US" sz="800" dirty="0"/>
+              <a:t>PC 2 is significant and accounts for 19.2% (95%-CI:16.9-27.6) of the total variation</a:t>
+            </a:r>
+          </a:p>
+          <a:p>
+            <a:r>
+              <a:rPr lang="en-US" sz="800" dirty="0"/>
+              <a:t>PC 3 is significant and accounts for 14.3% (95%-CI:11.3-19) of the total variation</a:t>
+            </a:r>
+          </a:p>
+          <a:p>
+            <a:endParaRPr lang="en-US" sz="800" dirty="0"/>
+          </a:p>
+          <a:p>
+            <a:r>
+              <a:rPr lang="en-US" sz="800" dirty="0"/>
+              <a:t>The first 3 PC axes are significant and account for 64.5% of the total variation</a:t>
+            </a:r>
+          </a:p>
+          <a:p>
+            <a:endParaRPr lang="en-US" sz="800" dirty="0"/>
+          </a:p>
+          <a:p>
+            <a:r>
+              <a:rPr lang="en-US" sz="800" dirty="0"/>
+              <a:t>Variables 1, 2, 7, 8, 9, 10, and 17 have significant loadings on PC 1</a:t>
+            </a:r>
+          </a:p>
+          <a:p>
+            <a:r>
+              <a:rPr lang="en-US" sz="800" dirty="0"/>
+              <a:t>Variables 4, 13, 15, 16, and 18 have significant loadings on PC 2</a:t>
+            </a:r>
+          </a:p>
+          <a:p>
+            <a:r>
+              <a:rPr lang="en-US" sz="800" dirty="0"/>
+              <a:t>Variables 5, 6, and 21 have significant loadings on PC 3</a:t>
+            </a:r>
+          </a:p>
+        </p:txBody>
+      </p:sp>
+      <p:pic>
+        <p:nvPicPr>
+          <p:cNvPr id="7" name="Picture 6">
+            <a:extLst>
+              <a:ext uri="{FF2B5EF4-FFF2-40B4-BE49-F238E27FC236}">
+                <a16:creationId xmlns:a16="http://schemas.microsoft.com/office/drawing/2014/main" id="{26C08683-3709-0833-D060-5D0177ECBC75}"/>
+              </a:ext>
+            </a:extLst>
+          </p:cNvPr>
+          <p:cNvPicPr>
+            <a:picLocks noChangeAspect="1"/>
+          </p:cNvPicPr>
+          <p:nvPr/>
+        </p:nvPicPr>
+        <p:blipFill>
+          <a:blip r:embed="rId3"/>
+          <a:stretch>
+            <a:fillRect/>
+          </a:stretch>
+        </p:blipFill>
+        <p:spPr>
+          <a:xfrm>
+            <a:off x="603083" y="2203688"/>
+            <a:ext cx="4408318" cy="3278117"/>
+          </a:xfrm>
+          <a:prstGeom prst="rect">
+            <a:avLst/>
+          </a:prstGeom>
+        </p:spPr>
+      </p:pic>
+      <p:sp>
+        <p:nvSpPr>
+          <p:cNvPr id="8" name="Title 7">
+            <a:extLst>
+              <a:ext uri="{FF2B5EF4-FFF2-40B4-BE49-F238E27FC236}">
+                <a16:creationId xmlns:a16="http://schemas.microsoft.com/office/drawing/2014/main" id="{0441632C-2842-55F3-E8FC-30E51CF720BF}"/>
+              </a:ext>
+            </a:extLst>
+          </p:cNvPr>
+          <p:cNvSpPr txBox="1">
+            <a:spLocks noGrp="1"/>
+          </p:cNvSpPr>
+          <p:nvPr>
+            <p:ph type="title"/>
+          </p:nvPr>
+        </p:nvSpPr>
+        <p:spPr>
+          <a:xfrm>
+            <a:off x="838200" y="677041"/>
+            <a:ext cx="4101507" cy="701731"/>
+          </a:xfrm>
+          <a:prstGeom prst="rect">
+            <a:avLst/>
+          </a:prstGeom>
+          <a:noFill/>
+        </p:spPr>
+        <p:txBody>
+          <a:bodyPr wrap="none" rtlCol="0">
+            <a:spAutoFit/>
+          </a:bodyPr>
+          <a:lstStyle/>
+          <a:p>
+            <a:r>
+              <a:rPr lang="en-US" b="1" u="sng" dirty="0"/>
+              <a:t>All genes – 10/19</a:t>
+            </a:r>
+          </a:p>
+        </p:txBody>
+      </p:sp>
+    </p:spTree>
+    <p:extLst>
+      <p:ext uri="{BB962C8B-B14F-4D97-AF65-F5344CB8AC3E}">
+        <p14:creationId xmlns:p14="http://schemas.microsoft.com/office/powerpoint/2010/main" val="3966444458"/>
+      </p:ext>
+    </p:extLst>
+  </p:cSld>
+  <p:clrMapOvr>
+    <a:masterClrMapping/>
+  </p:clrMapOvr>
+</p:sld>
+</file>
+
 <file path=ppt/theme/theme1.xml><?xml version="1.0" encoding="utf-8"?>
 <a:theme xmlns:a="http://schemas.openxmlformats.org/drawingml/2006/main" name="Office Theme">
   <a:themeElements>
